--- a/발표자료/261CF148558BF19003.pptx
+++ b/발표자료/261CF148558BF19003.pptx
@@ -5,7 +5,7 @@
     <p:sldMasterId id="2147483660" r:id="rId1"/>
   </p:sldMasterIdLst>
   <p:notesMasterIdLst>
-    <p:notesMasterId r:id="rId16"/>
+    <p:notesMasterId r:id="rId18"/>
   </p:notesMasterIdLst>
   <p:sldIdLst>
     <p:sldId id="256" r:id="rId2"/>
@@ -21,7 +21,9 @@
     <p:sldId id="266" r:id="rId12"/>
     <p:sldId id="267" r:id="rId13"/>
     <p:sldId id="272" r:id="rId14"/>
-    <p:sldId id="260" r:id="rId15"/>
+    <p:sldId id="273" r:id="rId15"/>
+    <p:sldId id="274" r:id="rId16"/>
+    <p:sldId id="260" r:id="rId17"/>
   </p:sldIdLst>
   <p:sldSz cx="9144000" cy="6858000" type="screen4x3"/>
   <p:notesSz cx="6858000" cy="9144000"/>
@@ -221,7 +223,7 @@
           <a:p>
             <a:fld id="{495B315E-6665-466F-9E2E-7848E0021778}" type="datetimeFigureOut">
               <a:rPr lang="ko-KR" altLang="en-US" smtClean="0"/>
-              <a:t>2022-12-25</a:t>
+              <a:t>2022-12-26</a:t>
             </a:fld>
             <a:endParaRPr lang="ko-KR" altLang="en-US"/>
           </a:p>
@@ -899,6 +901,90 @@
     <p:extLst>
       <p:ext uri="{BB962C8B-B14F-4D97-AF65-F5344CB8AC3E}">
         <p14:creationId xmlns:p14="http://schemas.microsoft.com/office/powerpoint/2010/main" val="3953606772"/>
+      </p:ext>
+    </p:extLst>
+  </p:cSld>
+  <p:clrMapOvr>
+    <a:masterClrMapping/>
+  </p:clrMapOvr>
+</p:notes>
+</file>
+
+<file path=ppt/notesSlides/notesSlide6.xml><?xml version="1.0" encoding="utf-8"?>
+<p:notes xmlns:a="http://schemas.openxmlformats.org/drawingml/2006/main" xmlns:r="http://schemas.openxmlformats.org/officeDocument/2006/relationships" xmlns:p="http://schemas.openxmlformats.org/presentationml/2006/main">
+  <p:cSld>
+    <p:spTree>
+      <p:nvGrpSpPr>
+        <p:cNvPr id="1" name=""/>
+        <p:cNvGrpSpPr/>
+        <p:nvPr/>
+      </p:nvGrpSpPr>
+      <p:grpSpPr>
+        <a:xfrm>
+          <a:off x="0" y="0"/>
+          <a:ext cx="0" cy="0"/>
+          <a:chOff x="0" y="0"/>
+          <a:chExt cx="0" cy="0"/>
+        </a:xfrm>
+      </p:grpSpPr>
+      <p:sp>
+        <p:nvSpPr>
+          <p:cNvPr id="2" name="슬라이드 이미지 개체 틀 1"/>
+          <p:cNvSpPr>
+            <a:spLocks noGrp="1" noRot="1" noChangeAspect="1"/>
+          </p:cNvSpPr>
+          <p:nvPr>
+            <p:ph type="sldImg"/>
+          </p:nvPr>
+        </p:nvSpPr>
+        <p:spPr/>
+      </p:sp>
+      <p:sp>
+        <p:nvSpPr>
+          <p:cNvPr id="3" name="슬라이드 노트 개체 틀 2"/>
+          <p:cNvSpPr>
+            <a:spLocks noGrp="1"/>
+          </p:cNvSpPr>
+          <p:nvPr>
+            <p:ph type="body" idx="1"/>
+          </p:nvPr>
+        </p:nvSpPr>
+        <p:spPr/>
+        <p:txBody>
+          <a:bodyPr/>
+          <a:lstStyle/>
+          <a:p>
+            <a:endParaRPr lang="ko-KR" altLang="en-US"/>
+          </a:p>
+        </p:txBody>
+      </p:sp>
+      <p:sp>
+        <p:nvSpPr>
+          <p:cNvPr id="4" name="슬라이드 번호 개체 틀 3"/>
+          <p:cNvSpPr>
+            <a:spLocks noGrp="1"/>
+          </p:cNvSpPr>
+          <p:nvPr>
+            <p:ph type="sldNum" sz="quarter" idx="10"/>
+          </p:nvPr>
+        </p:nvSpPr>
+        <p:spPr/>
+        <p:txBody>
+          <a:bodyPr/>
+          <a:lstStyle/>
+          <a:p>
+            <a:fld id="{84B52357-44BE-4A30-8918-E73226DF8148}" type="slidenum">
+              <a:rPr lang="ko-KR" altLang="en-US" smtClean="0"/>
+              <a:t>15</a:t>
+            </a:fld>
+            <a:endParaRPr lang="ko-KR" altLang="en-US"/>
+          </a:p>
+        </p:txBody>
+      </p:sp>
+    </p:spTree>
+    <p:extLst>
+      <p:ext uri="{BB962C8B-B14F-4D97-AF65-F5344CB8AC3E}">
+        <p14:creationId xmlns:p14="http://schemas.microsoft.com/office/powerpoint/2010/main" val="609072977"/>
       </p:ext>
     </p:extLst>
   </p:cSld>
@@ -12694,6 +12780,667 @@
           <a:lstStyle/>
           <a:p>
             <a:r>
+              <a:rPr lang="ko-KR" altLang="en-US" sz="3600" dirty="0" smtClean="0"/>
+              <a:t>배포</a:t>
+            </a:r>
+            <a:endParaRPr lang="ko-KR" altLang="en-US" sz="3600" dirty="0"/>
+          </a:p>
+        </p:txBody>
+      </p:sp>
+    </p:spTree>
+    <p:extLst>
+      <p:ext uri="{BB962C8B-B14F-4D97-AF65-F5344CB8AC3E}">
+        <p14:creationId xmlns:p14="http://schemas.microsoft.com/office/powerpoint/2010/main" val="1041592949"/>
+      </p:ext>
+    </p:extLst>
+  </p:cSld>
+  <p:clrMapOvr>
+    <a:masterClrMapping/>
+  </p:clrMapOvr>
+</p:sld>
+</file>
+
+<file path=ppt/slides/slide15.xml><?xml version="1.0" encoding="utf-8"?>
+<p:sld xmlns:a="http://schemas.openxmlformats.org/drawingml/2006/main" xmlns:r="http://schemas.openxmlformats.org/officeDocument/2006/relationships" xmlns:p="http://schemas.openxmlformats.org/presentationml/2006/main">
+  <p:cSld>
+    <p:spTree>
+      <p:nvGrpSpPr>
+        <p:cNvPr id="1" name=""/>
+        <p:cNvGrpSpPr/>
+        <p:nvPr/>
+      </p:nvGrpSpPr>
+      <p:grpSpPr>
+        <a:xfrm>
+          <a:off x="0" y="0"/>
+          <a:ext cx="0" cy="0"/>
+          <a:chOff x="0" y="0"/>
+          <a:chExt cx="0" cy="0"/>
+        </a:xfrm>
+      </p:grpSpPr>
+      <p:sp>
+        <p:nvSpPr>
+          <p:cNvPr id="6" name="슬라이드 번호 개체 틀 5"/>
+          <p:cNvSpPr>
+            <a:spLocks noGrp="1"/>
+          </p:cNvSpPr>
+          <p:nvPr>
+            <p:ph type="sldNum" sz="quarter" idx="12"/>
+          </p:nvPr>
+        </p:nvSpPr>
+        <p:spPr/>
+        <p:txBody>
+          <a:bodyPr/>
+          <a:lstStyle/>
+          <a:p>
+            <a:fld id="{65F3B4B6-8735-410C-A595-1695EF3E2408}" type="slidenum">
+              <a:rPr lang="ko-KR" altLang="en-US" smtClean="0"/>
+              <a:pPr/>
+              <a:t>15</a:t>
+            </a:fld>
+            <a:endParaRPr lang="ko-KR" altLang="en-US" dirty="0"/>
+          </a:p>
+        </p:txBody>
+      </p:sp>
+      <p:sp>
+        <p:nvSpPr>
+          <p:cNvPr id="2" name="제목 1"/>
+          <p:cNvSpPr>
+            <a:spLocks noGrp="1"/>
+          </p:cNvSpPr>
+          <p:nvPr>
+            <p:ph type="title"/>
+          </p:nvPr>
+        </p:nvSpPr>
+        <p:spPr/>
+        <p:txBody>
+          <a:bodyPr/>
+          <a:lstStyle/>
+          <a:p>
+            <a:r>
+              <a:rPr lang="en-US" altLang="ko-KR" dirty="0"/>
+              <a:t>Close</a:t>
+            </a:r>
+            <a:br>
+              <a:rPr lang="en-US" altLang="ko-KR" dirty="0"/>
+            </a:br>
+            <a:r>
+              <a:rPr lang="en-US" altLang="ko-KR" dirty="0"/>
+              <a:t>Sea!</a:t>
+            </a:r>
+            <a:endParaRPr lang="ko-KR" altLang="en-US" dirty="0"/>
+          </a:p>
+        </p:txBody>
+      </p:sp>
+      <p:sp>
+        <p:nvSpPr>
+          <p:cNvPr id="7" name="내용 개체 틀 6"/>
+          <p:cNvSpPr>
+            <a:spLocks noGrp="1"/>
+          </p:cNvSpPr>
+          <p:nvPr>
+            <p:ph idx="1"/>
+          </p:nvPr>
+        </p:nvSpPr>
+        <p:spPr/>
+        <p:txBody>
+          <a:bodyPr/>
+          <a:lstStyle/>
+          <a:p>
+            <a:endParaRPr lang="en-US" altLang="ko-KR" dirty="0"/>
+          </a:p>
+          <a:p>
+            <a:endParaRPr lang="en-US" altLang="ko-KR" dirty="0"/>
+          </a:p>
+          <a:p>
+            <a:endParaRPr lang="en-US" altLang="ko-KR" dirty="0"/>
+          </a:p>
+          <a:p>
+            <a:endParaRPr lang="en-US" altLang="ko-KR" dirty="0"/>
+          </a:p>
+          <a:p>
+            <a:r>
+              <a:rPr lang="ko-KR" altLang="en-US" dirty="0" smtClean="0"/>
+              <a:t>배포 </a:t>
+            </a:r>
+            <a:r>
+              <a:rPr lang="en-US" altLang="ko-KR" dirty="0" smtClean="0"/>
+              <a:t>Architecture</a:t>
+            </a:r>
+            <a:endParaRPr lang="ko-KR" altLang="en-US" dirty="0"/>
+          </a:p>
+        </p:txBody>
+      </p:sp>
+      <p:sp>
+        <p:nvSpPr>
+          <p:cNvPr id="5" name="바닥글 개체 틀 4"/>
+          <p:cNvSpPr>
+            <a:spLocks noGrp="1"/>
+          </p:cNvSpPr>
+          <p:nvPr>
+            <p:ph type="ftr" sz="quarter" idx="11"/>
+          </p:nvPr>
+        </p:nvSpPr>
+        <p:spPr>
+          <a:ln>
+            <a:solidFill>
+              <a:schemeClr val="bg1">
+                <a:alpha val="0"/>
+              </a:schemeClr>
+            </a:solidFill>
+          </a:ln>
+        </p:spPr>
+        <p:txBody>
+          <a:bodyPr/>
+          <a:lstStyle/>
+          <a:p>
+            <a:r>
+              <a:rPr lang="en-US" altLang="ko-KR" dirty="0"/>
+              <a:t>ADSTORE.TISTORY.COM</a:t>
+            </a:r>
+            <a:endParaRPr lang="ko-KR" altLang="en-US" dirty="0"/>
+          </a:p>
+        </p:txBody>
+      </p:sp>
+      <p:sp>
+        <p:nvSpPr>
+          <p:cNvPr id="4" name="텍스트 개체 틀 3"/>
+          <p:cNvSpPr>
+            <a:spLocks noGrp="1"/>
+          </p:cNvSpPr>
+          <p:nvPr>
+            <p:ph type="body" sz="quarter" idx="13"/>
+          </p:nvPr>
+        </p:nvSpPr>
+        <p:spPr/>
+        <p:txBody>
+          <a:bodyPr>
+            <a:normAutofit fontScale="92500" lnSpcReduction="10000"/>
+          </a:bodyPr>
+          <a:lstStyle/>
+          <a:p>
+            <a:r>
+              <a:rPr lang="ko-KR" altLang="en-US" dirty="0" smtClean="0">
+                <a:solidFill>
+                  <a:schemeClr val="tx1">
+                    <a:lumMod val="95000"/>
+                    <a:lumOff val="5000"/>
+                  </a:schemeClr>
+                </a:solidFill>
+              </a:rPr>
+              <a:t>배포</a:t>
+            </a:r>
+            <a:endParaRPr lang="ko-KR" altLang="en-US" dirty="0">
+              <a:solidFill>
+                <a:schemeClr val="tx1">
+                  <a:lumMod val="95000"/>
+                  <a:lumOff val="5000"/>
+                </a:schemeClr>
+              </a:solidFill>
+            </a:endParaRPr>
+          </a:p>
+        </p:txBody>
+      </p:sp>
+      <p:sp>
+        <p:nvSpPr>
+          <p:cNvPr id="11" name="양쪽 대괄호 10"/>
+          <p:cNvSpPr/>
+          <p:nvPr/>
+        </p:nvSpPr>
+        <p:spPr>
+          <a:xfrm>
+            <a:off x="1832250" y="5029837"/>
+            <a:ext cx="5475750" cy="1399125"/>
+          </a:xfrm>
+          <a:prstGeom prst="bracketPair">
+            <a:avLst>
+              <a:gd name="adj" fmla="val 5473"/>
+            </a:avLst>
+          </a:prstGeom>
+          <a:ln w="12700" cap="sq">
+            <a:solidFill>
+              <a:schemeClr val="bg1"/>
+            </a:solidFill>
+          </a:ln>
+        </p:spPr>
+        <p:style>
+          <a:lnRef idx="1">
+            <a:schemeClr val="accent1"/>
+          </a:lnRef>
+          <a:fillRef idx="0">
+            <a:schemeClr val="accent1"/>
+          </a:fillRef>
+          <a:effectRef idx="0">
+            <a:schemeClr val="accent1"/>
+          </a:effectRef>
+          <a:fontRef idx="minor">
+            <a:schemeClr val="tx1"/>
+          </a:fontRef>
+        </p:style>
+        <p:txBody>
+          <a:bodyPr rtlCol="0" anchor="ctr"/>
+          <a:lstStyle/>
+          <a:p>
+            <a:pPr algn="ctr">
+              <a:lnSpc>
+                <a:spcPct val="150000"/>
+              </a:lnSpc>
+            </a:pPr>
+            <a:endParaRPr lang="ko-KR" altLang="en-US" sz="1200" dirty="0">
+              <a:ln>
+                <a:solidFill>
+                  <a:schemeClr val="bg1">
+                    <a:alpha val="0"/>
+                  </a:schemeClr>
+                </a:solidFill>
+              </a:ln>
+              <a:solidFill>
+                <a:schemeClr val="bg1"/>
+              </a:solidFill>
+            </a:endParaRPr>
+          </a:p>
+        </p:txBody>
+      </p:sp>
+      <p:pic>
+        <p:nvPicPr>
+          <p:cNvPr id="1026" name="Picture 2" descr="Docker ] Docker hub 를 이용해 Portainer 이미지 다운받기"/>
+          <p:cNvPicPr>
+            <a:picLocks noChangeAspect="1" noChangeArrowheads="1"/>
+          </p:cNvPicPr>
+          <p:nvPr/>
+        </p:nvPicPr>
+        <p:blipFill>
+          <a:blip r:embed="rId3">
+            <a:extLst>
+              <a:ext uri="{28A0092B-C50C-407E-A947-70E740481C1C}">
+                <a14:useLocalDpi xmlns:a14="http://schemas.microsoft.com/office/drawing/2010/main" val="0"/>
+              </a:ext>
+            </a:extLst>
+          </a:blip>
+          <a:srcRect/>
+          <a:stretch>
+            <a:fillRect/>
+          </a:stretch>
+        </p:blipFill>
+        <p:spPr bwMode="auto">
+          <a:xfrm>
+            <a:off x="3420000" y="1989000"/>
+            <a:ext cx="1488525" cy="1186169"/>
+          </a:xfrm>
+          <a:prstGeom prst="rect">
+            <a:avLst/>
+          </a:prstGeom>
+          <a:noFill/>
+          <a:extLst>
+            <a:ext uri="{909E8E84-426E-40DD-AFC4-6F175D3DCCD1}">
+              <a14:hiddenFill xmlns:a14="http://schemas.microsoft.com/office/drawing/2010/main">
+                <a:solidFill>
+                  <a:srgbClr val="FFFFFF"/>
+                </a:solidFill>
+              </a14:hiddenFill>
+            </a:ext>
+          </a:extLst>
+        </p:spPr>
+      </p:pic>
+      <p:pic>
+        <p:nvPicPr>
+          <p:cNvPr id="1028" name="Picture 4" descr="AWS 주요 서비스"/>
+          <p:cNvPicPr>
+            <a:picLocks noChangeAspect="1" noChangeArrowheads="1"/>
+          </p:cNvPicPr>
+          <p:nvPr/>
+        </p:nvPicPr>
+        <p:blipFill>
+          <a:blip r:embed="rId4" cstate="print">
+            <a:extLst>
+              <a:ext uri="{28A0092B-C50C-407E-A947-70E740481C1C}">
+                <a14:useLocalDpi xmlns:a14="http://schemas.microsoft.com/office/drawing/2010/main" val="0"/>
+              </a:ext>
+            </a:extLst>
+          </a:blip>
+          <a:srcRect/>
+          <a:stretch>
+            <a:fillRect/>
+          </a:stretch>
+        </p:blipFill>
+        <p:spPr bwMode="auto">
+          <a:xfrm>
+            <a:off x="3082618" y="3407371"/>
+            <a:ext cx="2163288" cy="1622466"/>
+          </a:xfrm>
+          <a:prstGeom prst="rect">
+            <a:avLst/>
+          </a:prstGeom>
+          <a:noFill/>
+          <a:extLst>
+            <a:ext uri="{909E8E84-426E-40DD-AFC4-6F175D3DCCD1}">
+              <a14:hiddenFill xmlns:a14="http://schemas.microsoft.com/office/drawing/2010/main">
+                <a:solidFill>
+                  <a:srgbClr val="FFFFFF"/>
+                </a:solidFill>
+              </a14:hiddenFill>
+            </a:ext>
+          </a:extLst>
+        </p:spPr>
+      </p:pic>
+      <p:pic>
+        <p:nvPicPr>
+          <p:cNvPr id="3" name="그림 2"/>
+          <p:cNvPicPr>
+            <a:picLocks noChangeAspect="1"/>
+          </p:cNvPicPr>
+          <p:nvPr/>
+        </p:nvPicPr>
+        <p:blipFill>
+          <a:blip r:embed="rId5"/>
+          <a:stretch>
+            <a:fillRect/>
+          </a:stretch>
+        </p:blipFill>
+        <p:spPr>
+          <a:xfrm>
+            <a:off x="6207977" y="2811218"/>
+            <a:ext cx="1017553" cy="998078"/>
+          </a:xfrm>
+          <a:prstGeom prst="rect">
+            <a:avLst/>
+          </a:prstGeom>
+        </p:spPr>
+      </p:pic>
+      <p:pic>
+        <p:nvPicPr>
+          <p:cNvPr id="1030" name="Picture 6" descr="44,289 Web Developer Illustrations &amp; Clip Art - iStock"/>
+          <p:cNvPicPr>
+            <a:picLocks noChangeAspect="1" noChangeArrowheads="1"/>
+          </p:cNvPicPr>
+          <p:nvPr/>
+        </p:nvPicPr>
+        <p:blipFill>
+          <a:blip r:embed="rId6" cstate="print">
+            <a:extLst>
+              <a:ext uri="{28A0092B-C50C-407E-A947-70E740481C1C}">
+                <a14:useLocalDpi xmlns:a14="http://schemas.microsoft.com/office/drawing/2010/main" val="0"/>
+              </a:ext>
+            </a:extLst>
+          </a:blip>
+          <a:srcRect/>
+          <a:stretch>
+            <a:fillRect/>
+          </a:stretch>
+        </p:blipFill>
+        <p:spPr bwMode="auto">
+          <a:xfrm>
+            <a:off x="900000" y="2709000"/>
+            <a:ext cx="1527173" cy="1527173"/>
+          </a:xfrm>
+          <a:prstGeom prst="rect">
+            <a:avLst/>
+          </a:prstGeom>
+          <a:noFill/>
+          <a:extLst>
+            <a:ext uri="{909E8E84-426E-40DD-AFC4-6F175D3DCCD1}">
+              <a14:hiddenFill xmlns:a14="http://schemas.microsoft.com/office/drawing/2010/main">
+                <a:solidFill>
+                  <a:srgbClr val="FFFFFF"/>
+                </a:solidFill>
+              </a14:hiddenFill>
+            </a:ext>
+          </a:extLst>
+        </p:spPr>
+      </p:pic>
+      <p:sp>
+        <p:nvSpPr>
+          <p:cNvPr id="8" name="오른쪽 화살표 7"/>
+          <p:cNvSpPr/>
+          <p:nvPr/>
+        </p:nvSpPr>
+        <p:spPr>
+          <a:xfrm rot="19463287">
+            <a:off x="2493645" y="2839461"/>
+            <a:ext cx="980505" cy="248023"/>
+          </a:xfrm>
+          <a:prstGeom prst="rightArrow">
+            <a:avLst/>
+          </a:prstGeom>
+          <a:solidFill>
+            <a:schemeClr val="bg1"/>
+          </a:solidFill>
+          <a:ln>
+            <a:noFill/>
+          </a:ln>
+        </p:spPr>
+        <p:style>
+          <a:lnRef idx="2">
+            <a:schemeClr val="accent2">
+              <a:shade val="50000"/>
+            </a:schemeClr>
+          </a:lnRef>
+          <a:fillRef idx="1">
+            <a:schemeClr val="accent2"/>
+          </a:fillRef>
+          <a:effectRef idx="0">
+            <a:schemeClr val="accent2"/>
+          </a:effectRef>
+          <a:fontRef idx="minor">
+            <a:schemeClr val="lt1"/>
+          </a:fontRef>
+        </p:style>
+        <p:txBody>
+          <a:bodyPr rtlCol="0" anchor="ctr"/>
+          <a:lstStyle/>
+          <a:p>
+            <a:pPr algn="ctr"/>
+            <a:endParaRPr lang="ko-KR" altLang="en-US"/>
+          </a:p>
+        </p:txBody>
+      </p:sp>
+      <p:sp>
+        <p:nvSpPr>
+          <p:cNvPr id="14" name="오른쪽 화살표 13"/>
+          <p:cNvSpPr/>
+          <p:nvPr/>
+        </p:nvSpPr>
+        <p:spPr>
+          <a:xfrm rot="5400000">
+            <a:off x="3902885" y="3320466"/>
+            <a:ext cx="478633" cy="188039"/>
+          </a:xfrm>
+          <a:prstGeom prst="rightArrow">
+            <a:avLst/>
+          </a:prstGeom>
+          <a:solidFill>
+            <a:schemeClr val="bg1"/>
+          </a:solidFill>
+          <a:ln>
+            <a:noFill/>
+          </a:ln>
+        </p:spPr>
+        <p:style>
+          <a:lnRef idx="2">
+            <a:schemeClr val="accent1">
+              <a:shade val="50000"/>
+            </a:schemeClr>
+          </a:lnRef>
+          <a:fillRef idx="1">
+            <a:schemeClr val="accent1"/>
+          </a:fillRef>
+          <a:effectRef idx="0">
+            <a:schemeClr val="accent1"/>
+          </a:effectRef>
+          <a:fontRef idx="minor">
+            <a:schemeClr val="lt1"/>
+          </a:fontRef>
+        </p:style>
+        <p:txBody>
+          <a:bodyPr rtlCol="0" anchor="ctr"/>
+          <a:lstStyle/>
+          <a:p>
+            <a:pPr algn="ctr"/>
+            <a:endParaRPr lang="ko-KR" altLang="en-US"/>
+          </a:p>
+        </p:txBody>
+      </p:sp>
+      <p:sp>
+        <p:nvSpPr>
+          <p:cNvPr id="15" name="오른쪽 화살표 14"/>
+          <p:cNvSpPr/>
+          <p:nvPr/>
+        </p:nvSpPr>
+        <p:spPr>
+          <a:xfrm rot="19463287">
+            <a:off x="5045419" y="3733845"/>
+            <a:ext cx="980505" cy="150901"/>
+          </a:xfrm>
+          <a:prstGeom prst="rightArrow">
+            <a:avLst/>
+          </a:prstGeom>
+          <a:solidFill>
+            <a:schemeClr val="bg1"/>
+          </a:solidFill>
+          <a:ln>
+            <a:noFill/>
+          </a:ln>
+        </p:spPr>
+        <p:style>
+          <a:lnRef idx="2">
+            <a:schemeClr val="accent1">
+              <a:shade val="50000"/>
+            </a:schemeClr>
+          </a:lnRef>
+          <a:fillRef idx="1">
+            <a:schemeClr val="accent1"/>
+          </a:fillRef>
+          <a:effectRef idx="0">
+            <a:schemeClr val="accent1"/>
+          </a:effectRef>
+          <a:fontRef idx="minor">
+            <a:schemeClr val="lt1"/>
+          </a:fontRef>
+        </p:style>
+        <p:txBody>
+          <a:bodyPr rtlCol="0" anchor="ctr"/>
+          <a:lstStyle/>
+          <a:p>
+            <a:pPr algn="ctr"/>
+            <a:endParaRPr lang="ko-KR" altLang="en-US"/>
+          </a:p>
+        </p:txBody>
+      </p:sp>
+    </p:spTree>
+    <p:extLst>
+      <p:ext uri="{BB962C8B-B14F-4D97-AF65-F5344CB8AC3E}">
+        <p14:creationId xmlns:p14="http://schemas.microsoft.com/office/powerpoint/2010/main" val="755142410"/>
+      </p:ext>
+    </p:extLst>
+  </p:cSld>
+  <p:clrMapOvr>
+    <a:masterClrMapping/>
+  </p:clrMapOvr>
+</p:sld>
+</file>
+
+<file path=ppt/slides/slide16.xml><?xml version="1.0" encoding="utf-8"?>
+<p:sld xmlns:a="http://schemas.openxmlformats.org/drawingml/2006/main" xmlns:r="http://schemas.openxmlformats.org/officeDocument/2006/relationships" xmlns:p="http://schemas.openxmlformats.org/presentationml/2006/main">
+  <p:cSld>
+    <p:spTree>
+      <p:nvGrpSpPr>
+        <p:cNvPr id="1" name=""/>
+        <p:cNvGrpSpPr/>
+        <p:nvPr/>
+      </p:nvGrpSpPr>
+      <p:grpSpPr>
+        <a:xfrm>
+          <a:off x="0" y="0"/>
+          <a:ext cx="0" cy="0"/>
+          <a:chOff x="0" y="0"/>
+          <a:chExt cx="0" cy="0"/>
+        </a:xfrm>
+      </p:grpSpPr>
+      <p:sp>
+        <p:nvSpPr>
+          <p:cNvPr id="5" name="제목 4"/>
+          <p:cNvSpPr>
+            <a:spLocks noGrp="1"/>
+          </p:cNvSpPr>
+          <p:nvPr>
+            <p:ph type="ctrTitle"/>
+          </p:nvPr>
+        </p:nvSpPr>
+        <p:spPr/>
+        <p:txBody>
+          <a:bodyPr>
+            <a:normAutofit/>
+          </a:bodyPr>
+          <a:lstStyle/>
+          <a:p>
+            <a:pPr>
+              <a:spcBef>
+                <a:spcPts val="1000"/>
+              </a:spcBef>
+            </a:pPr>
+            <a:r>
+              <a:rPr lang="en-US" altLang="ko-KR" sz="800" dirty="0">
+                <a:latin typeface="+mn-lt"/>
+                <a:ea typeface="+mn-ea"/>
+                <a:cs typeface="+mn-cs"/>
+              </a:rPr>
+              <a:t>ADSTORE</a:t>
+            </a:r>
+            <a:endParaRPr lang="ko-KR" altLang="en-US" sz="800" dirty="0">
+              <a:latin typeface="+mn-lt"/>
+              <a:ea typeface="+mn-ea"/>
+              <a:cs typeface="+mn-cs"/>
+            </a:endParaRPr>
+          </a:p>
+        </p:txBody>
+      </p:sp>
+      <p:sp>
+        <p:nvSpPr>
+          <p:cNvPr id="6" name="부제목 5"/>
+          <p:cNvSpPr>
+            <a:spLocks noGrp="1"/>
+          </p:cNvSpPr>
+          <p:nvPr>
+            <p:ph type="subTitle" idx="1"/>
+          </p:nvPr>
+        </p:nvSpPr>
+        <p:spPr/>
+        <p:txBody>
+          <a:bodyPr>
+            <a:normAutofit/>
+          </a:bodyPr>
+          <a:lstStyle/>
+          <a:p>
+            <a:r>
+              <a:rPr lang="en-US" altLang="ko-KR" sz="800" dirty="0"/>
+              <a:t>FREE TEMPLATE</a:t>
+            </a:r>
+            <a:endParaRPr lang="ko-KR" altLang="en-US" sz="800" dirty="0"/>
+          </a:p>
+        </p:txBody>
+      </p:sp>
+      <p:sp>
+        <p:nvSpPr>
+          <p:cNvPr id="7" name="텍스트 개체 틀 6"/>
+          <p:cNvSpPr>
+            <a:spLocks noGrp="1"/>
+          </p:cNvSpPr>
+          <p:nvPr>
+            <p:ph type="body" sz="quarter" idx="10"/>
+          </p:nvPr>
+        </p:nvSpPr>
+        <p:spPr>
+          <a:xfrm>
+            <a:off x="3511501" y="2997000"/>
+            <a:ext cx="2120997" cy="722231"/>
+          </a:xfrm>
+        </p:spPr>
+        <p:txBody>
+          <a:bodyPr>
+            <a:noAutofit/>
+          </a:bodyPr>
+          <a:lstStyle/>
+          <a:p>
+            <a:r>
               <a:rPr lang="en-US" altLang="ko-KR" sz="3600" dirty="0"/>
               <a:t>Project!</a:t>
             </a:r>
@@ -12744,7 +13491,7 @@
         <p:spPr/>
         <p:txBody>
           <a:bodyPr>
-            <a:normAutofit fontScale="77500" lnSpcReduction="20000"/>
+            <a:normAutofit fontScale="85000" lnSpcReduction="20000"/>
           </a:bodyPr>
           <a:lstStyle/>
           <a:p>
